--- a/05_発表資料/SD3B後期2班第2回レビュー.pptx
+++ b/05_発表資料/SD3B後期2班第2回レビュー.pptx
@@ -4164,14 +4164,14 @@
           <p:nvPr>
             <p:extLst>
               <p:ext uri="{D42A27DB-BD31-4B8C-83A1-F6EECF244321}">
-                <p14:modId xmlns:p14="http://schemas.microsoft.com/office/powerpoint/2010/main" val="1624790701"/>
+                <p14:modId xmlns:p14="http://schemas.microsoft.com/office/powerpoint/2010/main" val="1144069690"/>
               </p:ext>
             </p:extLst>
           </p:nvPr>
         </p:nvGraphicFramePr>
         <p:xfrm>
-          <a:off x="2032000" y="2387600"/>
-          <a:ext cx="8128000" cy="2082800"/>
+          <a:off x="1722120" y="2175479"/>
+          <a:ext cx="8747760" cy="2507042"/>
         </p:xfrm>
         <a:graphic>
           <a:graphicData uri="http://schemas.openxmlformats.org/drawingml/2006/table">
@@ -4180,14 +4180,14 @@
                 <a:tableStyleId>{5C22544A-7EE6-4342-B048-85BDC9FD1C3A}</a:tableStyleId>
               </a:tblPr>
               <a:tblGrid>
-                <a:gridCol w="4064000">
+                <a:gridCol w="4373880">
                   <a:extLst>
                     <a:ext uri="{9D8B030D-6E8A-4147-A177-3AD203B41FA5}">
                       <a16:colId xmlns:a16="http://schemas.microsoft.com/office/drawing/2014/main" val="1035594725"/>
                     </a:ext>
                   </a:extLst>
                 </a:gridCol>
-                <a:gridCol w="4064000">
+                <a:gridCol w="4373880">
                   <a:extLst>
                     <a:ext uri="{9D8B030D-6E8A-4147-A177-3AD203B41FA5}">
                       <a16:colId xmlns:a16="http://schemas.microsoft.com/office/drawing/2014/main" val="2632784806"/>
@@ -4195,7 +4195,7 @@
                   </a:extLst>
                 </a:gridCol>
               </a:tblGrid>
-              <a:tr h="711200">
+              <a:tr h="660400">
                 <a:tc>
                   <a:txBody>
                     <a:bodyPr/>
@@ -4262,7 +4262,7 @@
                   </a:ext>
                 </a:extLst>
               </a:tr>
-              <a:tr h="127000">
+              <a:tr h="861766">
                 <a:tc>
                   <a:txBody>
                     <a:bodyPr/>
@@ -4357,7 +4357,7 @@
                   </a:ext>
                 </a:extLst>
               </a:tr>
-              <a:tr h="147320">
+              <a:tr h="492438">
                 <a:tc>
                   <a:txBody>
                     <a:bodyPr/>
@@ -4404,7 +4404,7 @@
                   </a:ext>
                 </a:extLst>
               </a:tr>
-              <a:tr h="127000">
+              <a:tr h="492438">
                 <a:tc>
                   <a:txBody>
                     <a:bodyPr/>
@@ -4463,8 +4463,21 @@
                       </a:pPr>
                       <a:r>
                         <a:rPr kumimoji="1" lang="ja-JP" altLang="en-US" dirty="0"/>
-                        <a:t>ユーザーテーブル</a:t>
+                        <a:t>テーブル</a:t>
                       </a:r>
+                      <a:r>
+                        <a:rPr kumimoji="1" lang="en-US" altLang="ja-JP" dirty="0"/>
+                        <a:t>(</a:t>
+                      </a:r>
+                      <a:r>
+                        <a:rPr kumimoji="1" lang="ja-JP" altLang="en-US" dirty="0"/>
+                        <a:t>ユーザー</a:t>
+                      </a:r>
+                      <a:r>
+                        <a:rPr kumimoji="1" lang="en-US" altLang="ja-JP" dirty="0"/>
+                        <a:t>)</a:t>
+                      </a:r>
+                      <a:endParaRPr kumimoji="1" lang="ja-JP" altLang="en-US" dirty="0"/>
                     </a:p>
                   </a:txBody>
                   <a:tcPr/>
